--- a/docs/Slides.pptx
+++ b/docs/Slides.pptx
@@ -4152,7 +4152,7 @@
         </p:nvSpPr>
         <p:spPr>
           <a:xfrm flipH="false" flipV="false" rot="0">
-            <a:off x="6763810" y="1246940"/>
+            <a:off x="130745" y="8939254"/>
             <a:ext cx="1795911" cy="2366305"/>
           </a:xfrm>
           <a:custGeom>
@@ -4167,10 +4167,10 @@
                   <a:pt x="0" y="0"/>
                 </a:moveTo>
                 <a:lnTo>
-                  <a:pt x="1795911" y="0"/>
-                </a:lnTo>
-                <a:lnTo>
-                  <a:pt x="1795911" y="2366305"/>
+                  <a:pt x="1795910" y="0"/>
+                </a:lnTo>
+                <a:lnTo>
+                  <a:pt x="1795910" y="2366305"/>
                 </a:lnTo>
                 <a:lnTo>
                   <a:pt x="0" y="2366305"/>
